--- a/1. Core Java 8/Day 5/Slides/Java Fundamentals - Generics/1. The What and Why of Java Generics/the-what-and-why-of-java-generics-slides.pptx
+++ b/1. Core Java 8/Day 5/Slides/Java Fundamentals - Generics/1. The What and Why of Java Generics/the-what-and-why-of-java-generics-slides.pptx
@@ -3657,8 +3657,8 @@
         </p:nvSpPr>
         <p:spPr>
           <a:xfrm>
-            <a:off x="688635" y="1416811"/>
-            <a:ext cx="5137785" cy="2171700"/>
+            <a:off x="688340" y="1416685"/>
+            <a:ext cx="6948805" cy="2211705"/>
           </a:xfrm>
           <a:prstGeom prst="rect">
             <a:avLst/>
@@ -3687,6 +3687,16 @@
                 <a:cs typeface="Courier New" panose="02070309020205020404"/>
               </a:rPr>
               <a:t>List</a:t>
+            </a:r>
+            <a:r>
+              <a:rPr lang="en-US" sz="2400" spc="-5" dirty="0">
+                <a:solidFill>
+                  <a:srgbClr val="404040"/>
+                </a:solidFill>
+                <a:latin typeface="Courier New" panose="02070309020205020404"/>
+                <a:cs typeface="Courier New" panose="02070309020205020404"/>
+              </a:rPr>
+              <a:t>&lt;String&gt;</a:t>
             </a:r>
             <a:r>
               <a:rPr sz="2400" spc="-35" dirty="0">
@@ -3826,7 +3836,20 @@
               </a:rPr>
               <a:t>list.add(1);</a:t>
             </a:r>
-            <a:endParaRPr sz="2400">
+            <a:r>
+              <a:rPr lang="en-US" sz="2400" spc="-5" dirty="0">
+                <a:solidFill>
+                  <a:srgbClr val="FF0000"/>
+                </a:solidFill>
+                <a:latin typeface="Courier New" panose="02070309020205020404"/>
+                <a:cs typeface="Courier New" panose="02070309020205020404"/>
+              </a:rPr>
+              <a:t>// error</a:t>
+            </a:r>
+            <a:endParaRPr lang="en-US" sz="2400" spc="-5" dirty="0">
+              <a:solidFill>
+                <a:srgbClr val="FF0000"/>
+              </a:solidFill>
               <a:latin typeface="Courier New" panose="02070309020205020404"/>
               <a:cs typeface="Courier New" panose="02070309020205020404"/>
             </a:endParaRPr>
